--- a/OnlineShop.pptx
+++ b/OnlineShop.pptx
@@ -10,6 +10,7 @@
     <p:sldId id="259" r:id="rId4"/>
     <p:sldId id="258" r:id="rId5"/>
     <p:sldId id="260" r:id="rId6"/>
+    <p:sldId id="261" r:id="rId7"/>
   </p:sldIdLst>
   <p:sldSz cx="9144000" cy="6858000" type="screen4x3"/>
   <p:notesSz cx="6858000" cy="9144000"/>
@@ -292,7 +293,8 @@
           <a:p>
             <a:fld id="{09C1B2BE-F776-4F4F-8F66-450F07CEE916}" type="datetimeFigureOut">
               <a:rPr lang="ru-RU" smtClean="0"/>
-              <a:t>10.05.2020</a:t>
+              <a:pPr/>
+              <a:t>11.05.2020</a:t>
             </a:fld>
             <a:endParaRPr lang="ru-RU"/>
           </a:p>
@@ -334,6 +336,7 @@
           <a:p>
             <a:fld id="{F7C900CB-32DC-4AEF-9E1B-C82C0442915A}" type="slidenum">
               <a:rPr lang="ru-RU" smtClean="0"/>
+              <a:pPr/>
               <a:t>‹#›</a:t>
             </a:fld>
             <a:endParaRPr lang="ru-RU"/>
@@ -457,7 +460,8 @@
           <a:p>
             <a:fld id="{09C1B2BE-F776-4F4F-8F66-450F07CEE916}" type="datetimeFigureOut">
               <a:rPr lang="ru-RU" smtClean="0"/>
-              <a:t>10.05.2020</a:t>
+              <a:pPr/>
+              <a:t>11.05.2020</a:t>
             </a:fld>
             <a:endParaRPr lang="ru-RU"/>
           </a:p>
@@ -499,6 +503,7 @@
           <a:p>
             <a:fld id="{F7C900CB-32DC-4AEF-9E1B-C82C0442915A}" type="slidenum">
               <a:rPr lang="ru-RU" smtClean="0"/>
+              <a:pPr/>
               <a:t>‹#›</a:t>
             </a:fld>
             <a:endParaRPr lang="ru-RU"/>
@@ -632,7 +637,8 @@
           <a:p>
             <a:fld id="{09C1B2BE-F776-4F4F-8F66-450F07CEE916}" type="datetimeFigureOut">
               <a:rPr lang="ru-RU" smtClean="0"/>
-              <a:t>10.05.2020</a:t>
+              <a:pPr/>
+              <a:t>11.05.2020</a:t>
             </a:fld>
             <a:endParaRPr lang="ru-RU"/>
           </a:p>
@@ -674,6 +680,7 @@
           <a:p>
             <a:fld id="{F7C900CB-32DC-4AEF-9E1B-C82C0442915A}" type="slidenum">
               <a:rPr lang="ru-RU" smtClean="0"/>
+              <a:pPr/>
               <a:t>‹#›</a:t>
             </a:fld>
             <a:endParaRPr lang="ru-RU"/>
@@ -797,7 +804,8 @@
           <a:p>
             <a:fld id="{09C1B2BE-F776-4F4F-8F66-450F07CEE916}" type="datetimeFigureOut">
               <a:rPr lang="ru-RU" smtClean="0"/>
-              <a:t>10.05.2020</a:t>
+              <a:pPr/>
+              <a:t>11.05.2020</a:t>
             </a:fld>
             <a:endParaRPr lang="ru-RU"/>
           </a:p>
@@ -839,6 +847,7 @@
           <a:p>
             <a:fld id="{F7C900CB-32DC-4AEF-9E1B-C82C0442915A}" type="slidenum">
               <a:rPr lang="ru-RU" smtClean="0"/>
+              <a:pPr/>
               <a:t>‹#›</a:t>
             </a:fld>
             <a:endParaRPr lang="ru-RU"/>
@@ -1038,7 +1047,8 @@
           <a:p>
             <a:fld id="{09C1B2BE-F776-4F4F-8F66-450F07CEE916}" type="datetimeFigureOut">
               <a:rPr lang="ru-RU" smtClean="0"/>
-              <a:t>10.05.2020</a:t>
+              <a:pPr/>
+              <a:t>11.05.2020</a:t>
             </a:fld>
             <a:endParaRPr lang="ru-RU"/>
           </a:p>
@@ -1080,6 +1090,7 @@
           <a:p>
             <a:fld id="{F7C900CB-32DC-4AEF-9E1B-C82C0442915A}" type="slidenum">
               <a:rPr lang="ru-RU" smtClean="0"/>
+              <a:pPr/>
               <a:t>‹#›</a:t>
             </a:fld>
             <a:endParaRPr lang="ru-RU"/>
@@ -1321,7 +1332,8 @@
           <a:p>
             <a:fld id="{09C1B2BE-F776-4F4F-8F66-450F07CEE916}" type="datetimeFigureOut">
               <a:rPr lang="ru-RU" smtClean="0"/>
-              <a:t>10.05.2020</a:t>
+              <a:pPr/>
+              <a:t>11.05.2020</a:t>
             </a:fld>
             <a:endParaRPr lang="ru-RU"/>
           </a:p>
@@ -1363,6 +1375,7 @@
           <a:p>
             <a:fld id="{F7C900CB-32DC-4AEF-9E1B-C82C0442915A}" type="slidenum">
               <a:rPr lang="ru-RU" smtClean="0"/>
+              <a:pPr/>
               <a:t>‹#›</a:t>
             </a:fld>
             <a:endParaRPr lang="ru-RU"/>
@@ -1738,7 +1751,8 @@
           <a:p>
             <a:fld id="{09C1B2BE-F776-4F4F-8F66-450F07CEE916}" type="datetimeFigureOut">
               <a:rPr lang="ru-RU" smtClean="0"/>
-              <a:t>10.05.2020</a:t>
+              <a:pPr/>
+              <a:t>11.05.2020</a:t>
             </a:fld>
             <a:endParaRPr lang="ru-RU"/>
           </a:p>
@@ -1780,6 +1794,7 @@
           <a:p>
             <a:fld id="{F7C900CB-32DC-4AEF-9E1B-C82C0442915A}" type="slidenum">
               <a:rPr lang="ru-RU" smtClean="0"/>
+              <a:pPr/>
               <a:t>‹#›</a:t>
             </a:fld>
             <a:endParaRPr lang="ru-RU"/>
@@ -1851,7 +1866,8 @@
           <a:p>
             <a:fld id="{09C1B2BE-F776-4F4F-8F66-450F07CEE916}" type="datetimeFigureOut">
               <a:rPr lang="ru-RU" smtClean="0"/>
-              <a:t>10.05.2020</a:t>
+              <a:pPr/>
+              <a:t>11.05.2020</a:t>
             </a:fld>
             <a:endParaRPr lang="ru-RU"/>
           </a:p>
@@ -1893,6 +1909,7 @@
           <a:p>
             <a:fld id="{F7C900CB-32DC-4AEF-9E1B-C82C0442915A}" type="slidenum">
               <a:rPr lang="ru-RU" smtClean="0"/>
+              <a:pPr/>
               <a:t>‹#›</a:t>
             </a:fld>
             <a:endParaRPr lang="ru-RU"/>
@@ -1941,7 +1958,8 @@
           <a:p>
             <a:fld id="{09C1B2BE-F776-4F4F-8F66-450F07CEE916}" type="datetimeFigureOut">
               <a:rPr lang="ru-RU" smtClean="0"/>
-              <a:t>10.05.2020</a:t>
+              <a:pPr/>
+              <a:t>11.05.2020</a:t>
             </a:fld>
             <a:endParaRPr lang="ru-RU"/>
           </a:p>
@@ -1983,6 +2001,7 @@
           <a:p>
             <a:fld id="{F7C900CB-32DC-4AEF-9E1B-C82C0442915A}" type="slidenum">
               <a:rPr lang="ru-RU" smtClean="0"/>
+              <a:pPr/>
               <a:t>‹#›</a:t>
             </a:fld>
             <a:endParaRPr lang="ru-RU"/>
@@ -2213,7 +2232,8 @@
           <a:p>
             <a:fld id="{09C1B2BE-F776-4F4F-8F66-450F07CEE916}" type="datetimeFigureOut">
               <a:rPr lang="ru-RU" smtClean="0"/>
-              <a:t>10.05.2020</a:t>
+              <a:pPr/>
+              <a:t>11.05.2020</a:t>
             </a:fld>
             <a:endParaRPr lang="ru-RU"/>
           </a:p>
@@ -2255,6 +2275,7 @@
           <a:p>
             <a:fld id="{F7C900CB-32DC-4AEF-9E1B-C82C0442915A}" type="slidenum">
               <a:rPr lang="ru-RU" smtClean="0"/>
+              <a:pPr/>
               <a:t>‹#›</a:t>
             </a:fld>
             <a:endParaRPr lang="ru-RU"/>
@@ -2461,7 +2482,8 @@
           <a:p>
             <a:fld id="{09C1B2BE-F776-4F4F-8F66-450F07CEE916}" type="datetimeFigureOut">
               <a:rPr lang="ru-RU" smtClean="0"/>
-              <a:t>10.05.2020</a:t>
+              <a:pPr/>
+              <a:t>11.05.2020</a:t>
             </a:fld>
             <a:endParaRPr lang="ru-RU"/>
           </a:p>
@@ -2503,6 +2525,7 @@
           <a:p>
             <a:fld id="{F7C900CB-32DC-4AEF-9E1B-C82C0442915A}" type="slidenum">
               <a:rPr lang="ru-RU" smtClean="0"/>
+              <a:pPr/>
               <a:t>‹#›</a:t>
             </a:fld>
             <a:endParaRPr lang="ru-RU"/>
@@ -2669,7 +2692,8 @@
           <a:p>
             <a:fld id="{09C1B2BE-F776-4F4F-8F66-450F07CEE916}" type="datetimeFigureOut">
               <a:rPr lang="ru-RU" smtClean="0"/>
-              <a:t>10.05.2020</a:t>
+              <a:pPr/>
+              <a:t>11.05.2020</a:t>
             </a:fld>
             <a:endParaRPr lang="ru-RU"/>
           </a:p>
@@ -2747,6 +2771,7 @@
           <a:p>
             <a:fld id="{F7C900CB-32DC-4AEF-9E1B-C82C0442915A}" type="slidenum">
               <a:rPr lang="ru-RU" smtClean="0"/>
+              <a:pPr/>
               <a:t>‹#›</a:t>
             </a:fld>
             <a:endParaRPr lang="ru-RU"/>
@@ -3894,6 +3919,102 @@
 </p:sld>
 </file>
 
+<file path=ppt/slides/slide6.xml><?xml version="1.0" encoding="utf-8"?>
+<p:sld xmlns:a="http://schemas.openxmlformats.org/drawingml/2006/main" xmlns:r="http://schemas.openxmlformats.org/officeDocument/2006/relationships" xmlns:p="http://schemas.openxmlformats.org/presentationml/2006/main">
+  <p:cSld>
+    <p:spTree>
+      <p:nvGrpSpPr>
+        <p:cNvPr id="1" name=""/>
+        <p:cNvGrpSpPr/>
+        <p:nvPr/>
+      </p:nvGrpSpPr>
+      <p:grpSpPr>
+        <a:xfrm>
+          <a:off x="0" y="0"/>
+          <a:ext cx="0" cy="0"/>
+          <a:chOff x="0" y="0"/>
+          <a:chExt cx="0" cy="0"/>
+        </a:xfrm>
+      </p:grpSpPr>
+      <p:pic>
+        <p:nvPicPr>
+          <p:cNvPr id="4" name="Picture 2" descr="C:\Users\Kirill\Pictures\Screenshots\Снимок экрана (265).png"/>
+          <p:cNvPicPr>
+            <a:picLocks noChangeAspect="1" noChangeArrowheads="1"/>
+          </p:cNvPicPr>
+          <p:nvPr/>
+        </p:nvPicPr>
+        <p:blipFill>
+          <a:blip r:embed="rId2" cstate="print"/>
+          <a:srcRect/>
+          <a:stretch>
+            <a:fillRect/>
+          </a:stretch>
+        </p:blipFill>
+        <p:spPr bwMode="auto">
+          <a:xfrm>
+            <a:off x="3923928" y="404664"/>
+            <a:ext cx="3048000" cy="6038850"/>
+          </a:xfrm>
+          <a:prstGeom prst="rect">
+            <a:avLst/>
+          </a:prstGeom>
+          <a:noFill/>
+        </p:spPr>
+      </p:pic>
+      <p:sp>
+        <p:nvSpPr>
+          <p:cNvPr id="5" name="Прямоугольник 4"/>
+          <p:cNvSpPr/>
+          <p:nvPr/>
+        </p:nvSpPr>
+        <p:spPr>
+          <a:xfrm>
+            <a:off x="179512" y="404664"/>
+            <a:ext cx="3528392" cy="923330"/>
+          </a:xfrm>
+          <a:prstGeom prst="rect">
+            <a:avLst/>
+          </a:prstGeom>
+        </p:spPr>
+        <p:txBody>
+          <a:bodyPr wrap="square">
+            <a:spAutoFit/>
+          </a:bodyPr>
+          <a:lstStyle/>
+          <a:p>
+            <a:r>
+              <a:rPr lang="ru-RU" dirty="0" smtClean="0">
+                <a:latin typeface="Calibri" pitchFamily="34" charset="0"/>
+                <a:ea typeface="Calibri" pitchFamily="34" charset="0"/>
+                <a:cs typeface="Times New Roman" pitchFamily="18" charset="0"/>
+              </a:rPr>
+              <a:t>Имеется возможность получить список доступных товаров в формате </a:t>
+            </a:r>
+            <a:r>
+              <a:rPr lang="en-US" dirty="0" err="1" smtClean="0">
+                <a:latin typeface="Calibri" pitchFamily="34" charset="0"/>
+                <a:ea typeface="Calibri" pitchFamily="34" charset="0"/>
+                <a:cs typeface="Times New Roman" pitchFamily="18" charset="0"/>
+              </a:rPr>
+              <a:t>json</a:t>
+            </a:r>
+            <a:endParaRPr lang="en-US" dirty="0" smtClean="0">
+              <a:latin typeface="Calibri" pitchFamily="34" charset="0"/>
+              <a:ea typeface="Calibri" pitchFamily="34" charset="0"/>
+              <a:cs typeface="Times New Roman" pitchFamily="18" charset="0"/>
+            </a:endParaRPr>
+          </a:p>
+        </p:txBody>
+      </p:sp>
+    </p:spTree>
+  </p:cSld>
+  <p:clrMapOvr>
+    <a:masterClrMapping/>
+  </p:clrMapOvr>
+</p:sld>
+</file>
+
 <file path=ppt/theme/theme1.xml><?xml version="1.0" encoding="utf-8"?>
 <a:theme xmlns:a="http://schemas.openxmlformats.org/drawingml/2006/main" name="Тема Office">
   <a:themeElements>

--- a/OnlineShop.pptx
+++ b/OnlineShop.pptx
@@ -9,8 +9,9 @@
     <p:sldId id="257" r:id="rId3"/>
     <p:sldId id="259" r:id="rId4"/>
     <p:sldId id="258" r:id="rId5"/>
-    <p:sldId id="260" r:id="rId6"/>
-    <p:sldId id="261" r:id="rId7"/>
+    <p:sldId id="262" r:id="rId6"/>
+    <p:sldId id="260" r:id="rId7"/>
+    <p:sldId id="261" r:id="rId8"/>
   </p:sldIdLst>
   <p:sldSz cx="9144000" cy="6858000" type="screen4x3"/>
   <p:notesSz cx="6858000" cy="9144000"/>
@@ -3131,7 +3132,9 @@
           </a:xfrm>
         </p:spPr>
         <p:txBody>
-          <a:bodyPr/>
+          <a:bodyPr>
+            <a:normAutofit/>
+          </a:bodyPr>
           <a:lstStyle/>
           <a:p>
             <a:r>
@@ -3148,7 +3151,7 @@
       </p:sp>
       <p:pic>
         <p:nvPicPr>
-          <p:cNvPr id="1026" name="Picture 2" descr="C:\Users\Kirill\Desktop\Новая папка\Снимок экрана (256).png"/>
+          <p:cNvPr id="3074" name="Picture 2" descr="C:\Users\Kirill\Pictures\Screenshots\Снимок экрана (275).png"/>
           <p:cNvPicPr>
             <a:picLocks noChangeAspect="1" noChangeArrowheads="1"/>
           </p:cNvPicPr>
@@ -3163,8 +3166,8 @@
         </p:blipFill>
         <p:spPr bwMode="auto">
           <a:xfrm>
-            <a:off x="827584" y="2132856"/>
-            <a:ext cx="7668344" cy="3458052"/>
+            <a:off x="1043608" y="1772816"/>
+            <a:ext cx="7429157" cy="3937136"/>
           </a:xfrm>
           <a:prstGeom prst="rect">
             <a:avLst/>
@@ -3773,9 +3776,38 @@
           <a:chExt cx="0" cy="0"/>
         </a:xfrm>
       </p:grpSpPr>
+      <p:sp>
+        <p:nvSpPr>
+          <p:cNvPr id="5" name="Прямоугольник 4"/>
+          <p:cNvSpPr/>
+          <p:nvPr/>
+        </p:nvSpPr>
+        <p:spPr>
+          <a:xfrm>
+            <a:off x="179512" y="404664"/>
+            <a:ext cx="8496944" cy="646331"/>
+          </a:xfrm>
+          <a:prstGeom prst="rect">
+            <a:avLst/>
+          </a:prstGeom>
+        </p:spPr>
+        <p:txBody>
+          <a:bodyPr wrap="square">
+            <a:spAutoFit/>
+          </a:bodyPr>
+          <a:lstStyle/>
+          <a:p>
+            <a:r>
+              <a:rPr lang="ru-RU" dirty="0" smtClean="0"/>
+              <a:t>При добавлении товара, ему можно указать любой тип, который потом будет добавлен в общий поиск (фильтр товаров по типу)</a:t>
+            </a:r>
+            <a:endParaRPr lang="ru-RU" dirty="0"/>
+          </a:p>
+        </p:txBody>
+      </p:sp>
       <p:pic>
         <p:nvPicPr>
-          <p:cNvPr id="5" name="Picture 2" descr="C:\Users\Kirill\Desktop\Новая папка\Снимок экрана (257).png"/>
+          <p:cNvPr id="1026" name="Picture 2" descr="C:\Users\Kirill\Pictures\Screenshots\Снимок экрана (266).png"/>
           <p:cNvPicPr>
             <a:picLocks noChangeAspect="1" noChangeArrowheads="1"/>
           </p:cNvPicPr>
@@ -3790,8 +3822,8 @@
         </p:blipFill>
         <p:spPr bwMode="auto">
           <a:xfrm>
-            <a:off x="539552" y="1340768"/>
-            <a:ext cx="8036790" cy="3647738"/>
+            <a:off x="467543" y="1484784"/>
+            <a:ext cx="8381169" cy="2016224"/>
           </a:xfrm>
           <a:prstGeom prst="rect">
             <a:avLst/>
@@ -3799,111 +3831,6 @@
           <a:noFill/>
         </p:spPr>
       </p:pic>
-      <p:pic>
-        <p:nvPicPr>
-          <p:cNvPr id="4" name="Picture 2" descr="C:\Users\Kirill\Desktop\Новая папка\Снимок экрана (258).png"/>
-          <p:cNvPicPr>
-            <a:picLocks noChangeAspect="1" noChangeArrowheads="1"/>
-          </p:cNvPicPr>
-          <p:nvPr/>
-        </p:nvPicPr>
-        <p:blipFill>
-          <a:blip r:embed="rId3" cstate="print"/>
-          <a:srcRect/>
-          <a:stretch>
-            <a:fillRect/>
-          </a:stretch>
-        </p:blipFill>
-        <p:spPr bwMode="auto">
-          <a:xfrm>
-            <a:off x="1043608" y="4365104"/>
-            <a:ext cx="7159380" cy="3259981"/>
-          </a:xfrm>
-          <a:prstGeom prst="rect">
-            <a:avLst/>
-          </a:prstGeom>
-          <a:noFill/>
-        </p:spPr>
-      </p:pic>
-      <p:sp>
-        <p:nvSpPr>
-          <p:cNvPr id="21505" name="Rectangle 1"/>
-          <p:cNvSpPr>
-            <a:spLocks noChangeArrowheads="1"/>
-          </p:cNvSpPr>
-          <p:nvPr/>
-        </p:nvSpPr>
-        <p:spPr bwMode="auto">
-          <a:xfrm>
-            <a:off x="1979712" y="548680"/>
-            <a:ext cx="5111977" cy="369332"/>
-          </a:xfrm>
-          <a:prstGeom prst="rect">
-            <a:avLst/>
-          </a:prstGeom>
-          <a:noFill/>
-          <a:ln w="9525">
-            <a:noFill/>
-            <a:miter lim="800000"/>
-            <a:headEnd/>
-            <a:tailEnd/>
-          </a:ln>
-          <a:effectLst/>
-        </p:spPr>
-        <p:txBody>
-          <a:bodyPr vert="horz" wrap="none" lIns="91440" tIns="45720" rIns="91440" bIns="45720" numCol="1" anchor="ctr" anchorCtr="0" compatLnSpc="1">
-            <a:prstTxWarp prst="textNoShape">
-              <a:avLst/>
-            </a:prstTxWarp>
-            <a:spAutoFit/>
-          </a:bodyPr>
-          <a:lstStyle/>
-          <a:p>
-            <a:pPr marL="0" marR="0" lvl="0" indent="0" algn="l" defTabSz="914400" rtl="0" eaLnBrk="1" fontAlgn="base" latinLnBrk="0" hangingPunct="1">
-              <a:lnSpc>
-                <a:spcPct val="100000"/>
-              </a:lnSpc>
-              <a:spcBef>
-                <a:spcPct val="0"/>
-              </a:spcBef>
-              <a:spcAft>
-                <a:spcPct val="0"/>
-              </a:spcAft>
-              <a:buClrTx/>
-              <a:buSzTx/>
-              <a:buFontTx/>
-              <a:buNone/>
-              <a:tabLst/>
-            </a:pPr>
-            <a:r>
-              <a:rPr kumimoji="0" lang="ru-RU" b="0" i="0" u="none" strike="noStrike" cap="none" normalizeH="0" baseline="0" dirty="0" smtClean="0">
-                <a:ln>
-                  <a:noFill/>
-                </a:ln>
-                <a:solidFill>
-                  <a:schemeClr val="tx1"/>
-                </a:solidFill>
-                <a:effectLst/>
-                <a:latin typeface="Calibri" pitchFamily="34" charset="0"/>
-                <a:ea typeface="Calibri" pitchFamily="34" charset="0"/>
-                <a:cs typeface="Times New Roman" pitchFamily="18" charset="0"/>
-              </a:rPr>
-              <a:t>Так же реализован поиск товара по его названию.</a:t>
-            </a:r>
-            <a:endParaRPr kumimoji="0" lang="ru-RU" b="0" i="0" u="none" strike="noStrike" cap="none" normalizeH="0" baseline="0" dirty="0" smtClean="0">
-              <a:ln>
-                <a:noFill/>
-              </a:ln>
-              <a:solidFill>
-                <a:schemeClr val="tx1"/>
-              </a:solidFill>
-              <a:effectLst/>
-              <a:latin typeface="Arial" pitchFamily="34" charset="0"/>
-              <a:cs typeface="Arial" pitchFamily="34" charset="0"/>
-            </a:endParaRPr>
-          </a:p>
-        </p:txBody>
-      </p:sp>
     </p:spTree>
   </p:cSld>
   <p:clrMapOvr>
@@ -3920,6 +3847,240 @@
 </file>
 
 <file path=ppt/slides/slide6.xml><?xml version="1.0" encoding="utf-8"?>
+<p:sld xmlns:a="http://schemas.openxmlformats.org/drawingml/2006/main" xmlns:r="http://schemas.openxmlformats.org/officeDocument/2006/relationships" xmlns:p="http://schemas.openxmlformats.org/presentationml/2006/main">
+  <p:cSld>
+    <p:spTree>
+      <p:nvGrpSpPr>
+        <p:cNvPr id="1" name=""/>
+        <p:cNvGrpSpPr/>
+        <p:nvPr/>
+      </p:nvGrpSpPr>
+      <p:grpSpPr>
+        <a:xfrm>
+          <a:off x="0" y="0"/>
+          <a:ext cx="0" cy="0"/>
+          <a:chOff x="0" y="0"/>
+          <a:chExt cx="0" cy="0"/>
+        </a:xfrm>
+      </p:grpSpPr>
+      <p:pic>
+        <p:nvPicPr>
+          <p:cNvPr id="2056" name="Picture 8" descr="C:\Users\Kirill\Pictures\Screenshots\Снимок экрана (276).png"/>
+          <p:cNvPicPr>
+            <a:picLocks noChangeAspect="1" noChangeArrowheads="1"/>
+          </p:cNvPicPr>
+          <p:nvPr/>
+        </p:nvPicPr>
+        <p:blipFill>
+          <a:blip r:embed="rId2" cstate="print"/>
+          <a:srcRect/>
+          <a:stretch>
+            <a:fillRect/>
+          </a:stretch>
+        </p:blipFill>
+        <p:spPr bwMode="auto">
+          <a:xfrm>
+            <a:off x="1691680" y="332656"/>
+            <a:ext cx="6192688" cy="2493840"/>
+          </a:xfrm>
+          <a:prstGeom prst="rect">
+            <a:avLst/>
+          </a:prstGeom>
+          <a:noFill/>
+        </p:spPr>
+      </p:pic>
+      <p:sp>
+        <p:nvSpPr>
+          <p:cNvPr id="21505" name="Rectangle 1"/>
+          <p:cNvSpPr>
+            <a:spLocks noChangeArrowheads="1"/>
+          </p:cNvSpPr>
+          <p:nvPr/>
+        </p:nvSpPr>
+        <p:spPr bwMode="auto">
+          <a:xfrm>
+            <a:off x="1979712" y="0"/>
+            <a:ext cx="6018122" cy="369332"/>
+          </a:xfrm>
+          <a:prstGeom prst="rect">
+            <a:avLst/>
+          </a:prstGeom>
+          <a:noFill/>
+          <a:ln w="9525">
+            <a:noFill/>
+            <a:miter lim="800000"/>
+            <a:headEnd/>
+            <a:tailEnd/>
+          </a:ln>
+          <a:effectLst/>
+        </p:spPr>
+        <p:txBody>
+          <a:bodyPr vert="horz" wrap="none" lIns="91440" tIns="45720" rIns="91440" bIns="45720" numCol="1" anchor="ctr" anchorCtr="0" compatLnSpc="1">
+            <a:prstTxWarp prst="textNoShape">
+              <a:avLst/>
+            </a:prstTxWarp>
+            <a:spAutoFit/>
+          </a:bodyPr>
+          <a:lstStyle/>
+          <a:p>
+            <a:pPr marL="0" marR="0" lvl="0" indent="0" algn="l" defTabSz="914400" rtl="0" eaLnBrk="1" fontAlgn="base" latinLnBrk="0" hangingPunct="1">
+              <a:lnSpc>
+                <a:spcPct val="100000"/>
+              </a:lnSpc>
+              <a:spcBef>
+                <a:spcPct val="0"/>
+              </a:spcBef>
+              <a:spcAft>
+                <a:spcPct val="0"/>
+              </a:spcAft>
+              <a:buClrTx/>
+              <a:buSzTx/>
+              <a:buFontTx/>
+              <a:buNone/>
+              <a:tabLst/>
+            </a:pPr>
+            <a:r>
+              <a:rPr kumimoji="0" lang="ru-RU" b="0" i="0" u="none" strike="noStrike" cap="none" normalizeH="0" baseline="0" dirty="0" smtClean="0">
+                <a:ln>
+                  <a:noFill/>
+                </a:ln>
+                <a:solidFill>
+                  <a:schemeClr val="tx1"/>
+                </a:solidFill>
+                <a:effectLst/>
+                <a:latin typeface="Calibri" pitchFamily="34" charset="0"/>
+                <a:ea typeface="Calibri" pitchFamily="34" charset="0"/>
+                <a:cs typeface="Times New Roman" pitchFamily="18" charset="0"/>
+              </a:rPr>
+              <a:t>Так же реализован поиск товара по его названию</a:t>
+            </a:r>
+            <a:r>
+              <a:rPr kumimoji="0" lang="en-US" b="0" i="0" u="none" strike="noStrike" cap="none" normalizeH="0" baseline="0" dirty="0" smtClean="0">
+                <a:ln>
+                  <a:noFill/>
+                </a:ln>
+                <a:solidFill>
+                  <a:schemeClr val="tx1"/>
+                </a:solidFill>
+                <a:effectLst/>
+                <a:latin typeface="Calibri" pitchFamily="34" charset="0"/>
+                <a:ea typeface="Calibri" pitchFamily="34" charset="0"/>
+                <a:cs typeface="Times New Roman" pitchFamily="18" charset="0"/>
+              </a:rPr>
+              <a:t> </a:t>
+            </a:r>
+            <a:r>
+              <a:rPr kumimoji="0" lang="ru-RU" b="0" i="0" u="none" strike="noStrike" cap="none" normalizeH="0" baseline="0" dirty="0" smtClean="0">
+                <a:ln>
+                  <a:noFill/>
+                </a:ln>
+                <a:solidFill>
+                  <a:schemeClr val="tx1"/>
+                </a:solidFill>
+                <a:effectLst/>
+                <a:latin typeface="Calibri" pitchFamily="34" charset="0"/>
+                <a:ea typeface="Calibri" pitchFamily="34" charset="0"/>
+                <a:cs typeface="Times New Roman" pitchFamily="18" charset="0"/>
+              </a:rPr>
+              <a:t>или</a:t>
+            </a:r>
+            <a:r>
+              <a:rPr kumimoji="0" lang="ru-RU" b="0" i="0" u="none" strike="noStrike" cap="none" normalizeH="0" dirty="0" smtClean="0">
+                <a:ln>
+                  <a:noFill/>
+                </a:ln>
+                <a:solidFill>
+                  <a:schemeClr val="tx1"/>
+                </a:solidFill>
+                <a:effectLst/>
+                <a:latin typeface="Calibri" pitchFamily="34" charset="0"/>
+                <a:ea typeface="Calibri" pitchFamily="34" charset="0"/>
+                <a:cs typeface="Times New Roman" pitchFamily="18" charset="0"/>
+              </a:rPr>
+              <a:t> типу</a:t>
+            </a:r>
+            <a:endParaRPr kumimoji="0" lang="ru-RU" b="0" i="0" u="none" strike="noStrike" cap="none" normalizeH="0" baseline="0" dirty="0" smtClean="0">
+              <a:ln>
+                <a:noFill/>
+              </a:ln>
+              <a:solidFill>
+                <a:schemeClr val="tx1"/>
+              </a:solidFill>
+              <a:effectLst/>
+              <a:latin typeface="Arial" pitchFamily="34" charset="0"/>
+              <a:cs typeface="Arial" pitchFamily="34" charset="0"/>
+            </a:endParaRPr>
+          </a:p>
+        </p:txBody>
+      </p:sp>
+      <p:pic>
+        <p:nvPicPr>
+          <p:cNvPr id="2057" name="Picture 9" descr="C:\Users\Kirill\Pictures\Screenshots\Снимок экрана (277).png"/>
+          <p:cNvPicPr>
+            <a:picLocks noChangeAspect="1" noChangeArrowheads="1"/>
+          </p:cNvPicPr>
+          <p:nvPr/>
+        </p:nvPicPr>
+        <p:blipFill>
+          <a:blip r:embed="rId3" cstate="print"/>
+          <a:srcRect/>
+          <a:stretch>
+            <a:fillRect/>
+          </a:stretch>
+        </p:blipFill>
+        <p:spPr bwMode="auto">
+          <a:xfrm>
+            <a:off x="1835696" y="2780928"/>
+            <a:ext cx="5976664" cy="2336965"/>
+          </a:xfrm>
+          <a:prstGeom prst="rect">
+            <a:avLst/>
+          </a:prstGeom>
+          <a:noFill/>
+        </p:spPr>
+      </p:pic>
+      <p:pic>
+        <p:nvPicPr>
+          <p:cNvPr id="2058" name="Picture 10" descr="C:\Users\Kirill\Pictures\Screenshots\Снимок экрана (279).png"/>
+          <p:cNvPicPr>
+            <a:picLocks noChangeAspect="1" noChangeArrowheads="1"/>
+          </p:cNvPicPr>
+          <p:nvPr/>
+        </p:nvPicPr>
+        <p:blipFill>
+          <a:blip r:embed="rId4" cstate="print"/>
+          <a:srcRect/>
+          <a:stretch>
+            <a:fillRect/>
+          </a:stretch>
+        </p:blipFill>
+        <p:spPr bwMode="auto">
+          <a:xfrm>
+            <a:off x="1043608" y="5078759"/>
+            <a:ext cx="7116965" cy="1779241"/>
+          </a:xfrm>
+          <a:prstGeom prst="rect">
+            <a:avLst/>
+          </a:prstGeom>
+          <a:noFill/>
+        </p:spPr>
+      </p:pic>
+    </p:spTree>
+  </p:cSld>
+  <p:clrMapOvr>
+    <a:masterClrMapping/>
+  </p:clrMapOvr>
+  <p:timing>
+    <p:tnLst>
+      <p:par>
+        <p:cTn id="1" dur="indefinite" restart="never" nodeType="tmRoot"/>
+      </p:par>
+    </p:tnLst>
+  </p:timing>
+</p:sld>
+</file>
+
+<file path=ppt/slides/slide7.xml><?xml version="1.0" encoding="utf-8"?>
 <p:sld xmlns:a="http://schemas.openxmlformats.org/drawingml/2006/main" xmlns:r="http://schemas.openxmlformats.org/officeDocument/2006/relationships" xmlns:p="http://schemas.openxmlformats.org/presentationml/2006/main">
   <p:cSld>
     <p:spTree>
@@ -4012,6 +4173,13 @@
   <p:clrMapOvr>
     <a:masterClrMapping/>
   </p:clrMapOvr>
+  <p:timing>
+    <p:tnLst>
+      <p:par>
+        <p:cTn id="1" dur="indefinite" restart="never" nodeType="tmRoot"/>
+      </p:par>
+    </p:tnLst>
+  </p:timing>
 </p:sld>
 </file>
 
